--- a/logo/Logo_v2.pptx
+++ b/logo/Logo_v2.pptx
@@ -3356,7 +3356,7 @@
         </p:nvGrpSpPr>
         <p:grpSpPr>
           <a:xfrm flipH="1">
-            <a:off x="5257852" y="1803171"/>
+            <a:off x="5239564" y="1809267"/>
             <a:ext cx="2123290" cy="2044926"/>
             <a:chOff x="4152952" y="1536471"/>
             <a:chExt cx="2123290" cy="2044926"/>
@@ -4162,152 +4162,12 @@
           </p:style>
         </p:cxnSp>
       </p:grpSp>
-      <p:sp>
-        <p:nvSpPr>
-          <p:cNvPr id="118" name="Freihandform: Form 117">
-            <a:extLst>
-              <a:ext uri="{FF2B5EF4-FFF2-40B4-BE49-F238E27FC236}">
-                <a16:creationId xmlns:a16="http://schemas.microsoft.com/office/drawing/2014/main" id="{E433A46B-ED39-4630-BFFC-4F4FE73B7396}"/>
-              </a:ext>
-            </a:extLst>
-          </p:cNvPr>
-          <p:cNvSpPr/>
-          <p:nvPr/>
-        </p:nvSpPr>
-        <p:spPr>
-          <a:xfrm>
-            <a:off x="6629306" y="2847656"/>
-            <a:ext cx="1391929" cy="745130"/>
-          </a:xfrm>
-          <a:custGeom>
-            <a:avLst/>
-            <a:gdLst>
-              <a:gd name="connsiteX0" fmla="*/ 0 w 2495550"/>
-              <a:gd name="connsiteY0" fmla="*/ 962025 h 1200211"/>
-              <a:gd name="connsiteX1" fmla="*/ 628650 w 2495550"/>
-              <a:gd name="connsiteY1" fmla="*/ 1200150 h 1200211"/>
-              <a:gd name="connsiteX2" fmla="*/ 952500 w 2495550"/>
-              <a:gd name="connsiteY2" fmla="*/ 942975 h 1200211"/>
-              <a:gd name="connsiteX3" fmla="*/ 1076325 w 2495550"/>
-              <a:gd name="connsiteY3" fmla="*/ 514350 h 1200211"/>
-              <a:gd name="connsiteX4" fmla="*/ 1790700 w 2495550"/>
-              <a:gd name="connsiteY4" fmla="*/ 600075 h 1200211"/>
-              <a:gd name="connsiteX5" fmla="*/ 1819275 w 2495550"/>
-              <a:gd name="connsiteY5" fmla="*/ 247650 h 1200211"/>
-              <a:gd name="connsiteX6" fmla="*/ 2371725 w 2495550"/>
-              <a:gd name="connsiteY6" fmla="*/ 171450 h 1200211"/>
-              <a:gd name="connsiteX7" fmla="*/ 2495550 w 2495550"/>
-              <a:gd name="connsiteY7" fmla="*/ 0 h 1200211"/>
-            </a:gdLst>
-            <a:ahLst/>
-            <a:cxnLst>
-              <a:cxn ang="0">
-                <a:pos x="connsiteX0" y="connsiteY0"/>
-              </a:cxn>
-              <a:cxn ang="0">
-                <a:pos x="connsiteX1" y="connsiteY1"/>
-              </a:cxn>
-              <a:cxn ang="0">
-                <a:pos x="connsiteX2" y="connsiteY2"/>
-              </a:cxn>
-              <a:cxn ang="0">
-                <a:pos x="connsiteX3" y="connsiteY3"/>
-              </a:cxn>
-              <a:cxn ang="0">
-                <a:pos x="connsiteX4" y="connsiteY4"/>
-              </a:cxn>
-              <a:cxn ang="0">
-                <a:pos x="connsiteX5" y="connsiteY5"/>
-              </a:cxn>
-              <a:cxn ang="0">
-                <a:pos x="connsiteX6" y="connsiteY6"/>
-              </a:cxn>
-              <a:cxn ang="0">
-                <a:pos x="connsiteX7" y="connsiteY7"/>
-              </a:cxn>
-            </a:cxnLst>
-            <a:rect l="l" t="t" r="r" b="b"/>
-            <a:pathLst>
-              <a:path w="2495550" h="1200211">
-                <a:moveTo>
-                  <a:pt x="0" y="962025"/>
-                </a:moveTo>
-                <a:cubicBezTo>
-                  <a:pt x="234950" y="1082675"/>
-                  <a:pt x="469900" y="1203325"/>
-                  <a:pt x="628650" y="1200150"/>
-                </a:cubicBezTo>
-                <a:cubicBezTo>
-                  <a:pt x="787400" y="1196975"/>
-                  <a:pt x="877888" y="1057275"/>
-                  <a:pt x="952500" y="942975"/>
-                </a:cubicBezTo>
-                <a:cubicBezTo>
-                  <a:pt x="1027113" y="828675"/>
-                  <a:pt x="936625" y="571500"/>
-                  <a:pt x="1076325" y="514350"/>
-                </a:cubicBezTo>
-                <a:cubicBezTo>
-                  <a:pt x="1216025" y="457200"/>
-                  <a:pt x="1666875" y="644525"/>
-                  <a:pt x="1790700" y="600075"/>
-                </a:cubicBezTo>
-                <a:cubicBezTo>
-                  <a:pt x="1914525" y="555625"/>
-                  <a:pt x="1722438" y="319087"/>
-                  <a:pt x="1819275" y="247650"/>
-                </a:cubicBezTo>
-                <a:cubicBezTo>
-                  <a:pt x="1916113" y="176212"/>
-                  <a:pt x="2259013" y="212725"/>
-                  <a:pt x="2371725" y="171450"/>
-                </a:cubicBezTo>
-                <a:cubicBezTo>
-                  <a:pt x="2484437" y="130175"/>
-                  <a:pt x="2430463" y="42862"/>
-                  <a:pt x="2495550" y="0"/>
-                </a:cubicBezTo>
-              </a:path>
-            </a:pathLst>
-          </a:custGeom>
-          <a:noFill/>
-          <a:ln w="76200">
-            <a:solidFill>
-              <a:schemeClr val="accent1"/>
-            </a:solidFill>
-          </a:ln>
-        </p:spPr>
-        <p:style>
-          <a:lnRef idx="2">
-            <a:schemeClr val="accent1">
-              <a:shade val="50000"/>
-            </a:schemeClr>
-          </a:lnRef>
-          <a:fillRef idx="1">
-            <a:schemeClr val="accent1"/>
-          </a:fillRef>
-          <a:effectRef idx="0">
-            <a:schemeClr val="accent1"/>
-          </a:effectRef>
-          <a:fontRef idx="minor">
-            <a:schemeClr val="lt1"/>
-          </a:fontRef>
-        </p:style>
-        <p:txBody>
-          <a:bodyPr rtlCol="0" anchor="ctr"/>
-          <a:lstStyle/>
-          <a:p>
-            <a:pPr algn="ctr"/>
-            <a:endParaRPr lang="en-US"/>
-          </a:p>
-        </p:txBody>
-      </p:sp>
       <p:cxnSp>
         <p:nvCxnSpPr>
-          <p:cNvPr id="120" name="Gerade Verbindung mit Pfeil 119">
-            <a:extLst>
-              <a:ext uri="{FF2B5EF4-FFF2-40B4-BE49-F238E27FC236}">
-                <a16:creationId xmlns:a16="http://schemas.microsoft.com/office/drawing/2014/main" id="{D1AECFF3-44C8-41E3-B21E-524E8CC418B9}"/>
+          <p:cNvPr id="150" name="Gerader Verbinder 149">
+            <a:extLst>
+              <a:ext uri="{FF2B5EF4-FFF2-40B4-BE49-F238E27FC236}">
+                <a16:creationId xmlns:a16="http://schemas.microsoft.com/office/drawing/2014/main" id="{D0291622-B4E8-4BBD-BA02-A45F5D390EE1}"/>
               </a:ext>
             </a:extLst>
           </p:cNvPr>
@@ -4317,18 +4177,17 @@
           <p:nvPr/>
         </p:nvCxnSpPr>
         <p:spPr>
-          <a:xfrm flipV="1">
-            <a:off x="7990755" y="2632496"/>
-            <a:ext cx="71205" cy="283740"/>
+          <a:xfrm flipH="1">
+            <a:off x="6771500" y="3138059"/>
+            <a:ext cx="1027180" cy="0"/>
           </a:xfrm>
-          <a:prstGeom prst="straightConnector1">
+          <a:prstGeom prst="line">
             <a:avLst/>
           </a:prstGeom>
           <a:ln w="76200">
             <a:solidFill>
-              <a:schemeClr val="accent1"/>
+              <a:schemeClr val="accent4"/>
             </a:solidFill>
-            <a:tailEnd type="triangle"/>
           </a:ln>
         </p:spPr>
         <p:style>
@@ -4346,6 +4205,211 @@
           </a:fontRef>
         </p:style>
       </p:cxnSp>
+      <p:grpSp>
+        <p:nvGrpSpPr>
+          <p:cNvPr id="134" name="Gruppieren 133">
+            <a:extLst>
+              <a:ext uri="{FF2B5EF4-FFF2-40B4-BE49-F238E27FC236}">
+                <a16:creationId xmlns:a16="http://schemas.microsoft.com/office/drawing/2014/main" id="{2C217EB2-BEAC-4FD7-A544-F76740F2569B}"/>
+              </a:ext>
+            </a:extLst>
+          </p:cNvPr>
+          <p:cNvGrpSpPr/>
+          <p:nvPr/>
+        </p:nvGrpSpPr>
+        <p:grpSpPr>
+          <a:xfrm>
+            <a:off x="6617114" y="2785872"/>
+            <a:ext cx="850886" cy="782530"/>
+            <a:chOff x="6629306" y="2632496"/>
+            <a:chExt cx="1432654" cy="960290"/>
+          </a:xfrm>
+        </p:grpSpPr>
+        <p:sp>
+          <p:nvSpPr>
+            <p:cNvPr id="118" name="Freihandform: Form 117">
+              <a:extLst>
+                <a:ext uri="{FF2B5EF4-FFF2-40B4-BE49-F238E27FC236}">
+                  <a16:creationId xmlns:a16="http://schemas.microsoft.com/office/drawing/2014/main" id="{E433A46B-ED39-4630-BFFC-4F4FE73B7396}"/>
+                </a:ext>
+              </a:extLst>
+            </p:cNvPr>
+            <p:cNvSpPr/>
+            <p:nvPr/>
+          </p:nvSpPr>
+          <p:spPr>
+            <a:xfrm>
+              <a:off x="6629306" y="2847656"/>
+              <a:ext cx="1391929" cy="745130"/>
+            </a:xfrm>
+            <a:custGeom>
+              <a:avLst/>
+              <a:gdLst>
+                <a:gd name="connsiteX0" fmla="*/ 0 w 2495550"/>
+                <a:gd name="connsiteY0" fmla="*/ 962025 h 1200211"/>
+                <a:gd name="connsiteX1" fmla="*/ 628650 w 2495550"/>
+                <a:gd name="connsiteY1" fmla="*/ 1200150 h 1200211"/>
+                <a:gd name="connsiteX2" fmla="*/ 952500 w 2495550"/>
+                <a:gd name="connsiteY2" fmla="*/ 942975 h 1200211"/>
+                <a:gd name="connsiteX3" fmla="*/ 1076325 w 2495550"/>
+                <a:gd name="connsiteY3" fmla="*/ 514350 h 1200211"/>
+                <a:gd name="connsiteX4" fmla="*/ 1790700 w 2495550"/>
+                <a:gd name="connsiteY4" fmla="*/ 600075 h 1200211"/>
+                <a:gd name="connsiteX5" fmla="*/ 1819275 w 2495550"/>
+                <a:gd name="connsiteY5" fmla="*/ 247650 h 1200211"/>
+                <a:gd name="connsiteX6" fmla="*/ 2371725 w 2495550"/>
+                <a:gd name="connsiteY6" fmla="*/ 171450 h 1200211"/>
+                <a:gd name="connsiteX7" fmla="*/ 2495550 w 2495550"/>
+                <a:gd name="connsiteY7" fmla="*/ 0 h 1200211"/>
+              </a:gdLst>
+              <a:ahLst/>
+              <a:cxnLst>
+                <a:cxn ang="0">
+                  <a:pos x="connsiteX0" y="connsiteY0"/>
+                </a:cxn>
+                <a:cxn ang="0">
+                  <a:pos x="connsiteX1" y="connsiteY1"/>
+                </a:cxn>
+                <a:cxn ang="0">
+                  <a:pos x="connsiteX2" y="connsiteY2"/>
+                </a:cxn>
+                <a:cxn ang="0">
+                  <a:pos x="connsiteX3" y="connsiteY3"/>
+                </a:cxn>
+                <a:cxn ang="0">
+                  <a:pos x="connsiteX4" y="connsiteY4"/>
+                </a:cxn>
+                <a:cxn ang="0">
+                  <a:pos x="connsiteX5" y="connsiteY5"/>
+                </a:cxn>
+                <a:cxn ang="0">
+                  <a:pos x="connsiteX6" y="connsiteY6"/>
+                </a:cxn>
+                <a:cxn ang="0">
+                  <a:pos x="connsiteX7" y="connsiteY7"/>
+                </a:cxn>
+              </a:cxnLst>
+              <a:rect l="l" t="t" r="r" b="b"/>
+              <a:pathLst>
+                <a:path w="2495550" h="1200211">
+                  <a:moveTo>
+                    <a:pt x="0" y="962025"/>
+                  </a:moveTo>
+                  <a:cubicBezTo>
+                    <a:pt x="234950" y="1082675"/>
+                    <a:pt x="469900" y="1203325"/>
+                    <a:pt x="628650" y="1200150"/>
+                  </a:cubicBezTo>
+                  <a:cubicBezTo>
+                    <a:pt x="787400" y="1196975"/>
+                    <a:pt x="877888" y="1057275"/>
+                    <a:pt x="952500" y="942975"/>
+                  </a:cubicBezTo>
+                  <a:cubicBezTo>
+                    <a:pt x="1027113" y="828675"/>
+                    <a:pt x="936625" y="571500"/>
+                    <a:pt x="1076325" y="514350"/>
+                  </a:cubicBezTo>
+                  <a:cubicBezTo>
+                    <a:pt x="1216025" y="457200"/>
+                    <a:pt x="1666875" y="644525"/>
+                    <a:pt x="1790700" y="600075"/>
+                  </a:cubicBezTo>
+                  <a:cubicBezTo>
+                    <a:pt x="1914525" y="555625"/>
+                    <a:pt x="1722438" y="319087"/>
+                    <a:pt x="1819275" y="247650"/>
+                  </a:cubicBezTo>
+                  <a:cubicBezTo>
+                    <a:pt x="1916113" y="176212"/>
+                    <a:pt x="2259013" y="212725"/>
+                    <a:pt x="2371725" y="171450"/>
+                  </a:cubicBezTo>
+                  <a:cubicBezTo>
+                    <a:pt x="2484437" y="130175"/>
+                    <a:pt x="2430463" y="42862"/>
+                    <a:pt x="2495550" y="0"/>
+                  </a:cubicBezTo>
+                </a:path>
+              </a:pathLst>
+            </a:custGeom>
+            <a:noFill/>
+            <a:ln w="76200">
+              <a:solidFill>
+                <a:schemeClr val="accent1"/>
+              </a:solidFill>
+            </a:ln>
+          </p:spPr>
+          <p:style>
+            <a:lnRef idx="2">
+              <a:schemeClr val="accent1">
+                <a:shade val="50000"/>
+              </a:schemeClr>
+            </a:lnRef>
+            <a:fillRef idx="1">
+              <a:schemeClr val="accent1"/>
+            </a:fillRef>
+            <a:effectRef idx="0">
+              <a:schemeClr val="accent1"/>
+            </a:effectRef>
+            <a:fontRef idx="minor">
+              <a:schemeClr val="lt1"/>
+            </a:fontRef>
+          </p:style>
+          <p:txBody>
+            <a:bodyPr rtlCol="0" anchor="ctr"/>
+            <a:lstStyle/>
+            <a:p>
+              <a:pPr algn="ctr"/>
+              <a:endParaRPr lang="en-US"/>
+            </a:p>
+          </p:txBody>
+        </p:sp>
+        <p:cxnSp>
+          <p:nvCxnSpPr>
+            <p:cNvPr id="120" name="Gerade Verbindung mit Pfeil 119">
+              <a:extLst>
+                <a:ext uri="{FF2B5EF4-FFF2-40B4-BE49-F238E27FC236}">
+                  <a16:creationId xmlns:a16="http://schemas.microsoft.com/office/drawing/2014/main" id="{D1AECFF3-44C8-41E3-B21E-524E8CC418B9}"/>
+                </a:ext>
+              </a:extLst>
+            </p:cNvPr>
+            <p:cNvCxnSpPr>
+              <a:cxnSpLocks/>
+            </p:cNvCxnSpPr>
+            <p:nvPr/>
+          </p:nvCxnSpPr>
+          <p:spPr>
+            <a:xfrm flipV="1">
+              <a:off x="7990755" y="2632496"/>
+              <a:ext cx="71205" cy="283740"/>
+            </a:xfrm>
+            <a:prstGeom prst="straightConnector1">
+              <a:avLst/>
+            </a:prstGeom>
+            <a:ln w="76200">
+              <a:solidFill>
+                <a:schemeClr val="accent1"/>
+              </a:solidFill>
+              <a:tailEnd type="triangle"/>
+            </a:ln>
+          </p:spPr>
+          <p:style>
+            <a:lnRef idx="1">
+              <a:schemeClr val="accent1"/>
+            </a:lnRef>
+            <a:fillRef idx="0">
+              <a:schemeClr val="accent1"/>
+            </a:fillRef>
+            <a:effectRef idx="0">
+              <a:schemeClr val="accent1"/>
+            </a:effectRef>
+            <a:fontRef idx="minor">
+              <a:schemeClr val="tx1"/>
+            </a:fontRef>
+          </p:style>
+        </p:cxnSp>
+      </p:grpSp>
       <p:cxnSp>
         <p:nvCxnSpPr>
           <p:cNvPr id="123" name="Gerade Verbindung mit Pfeil 122">
@@ -4411,6 +4475,305 @@
           </a:prstGeom>
           <a:ln w="76200">
             <a:tailEnd type="triangle"/>
+          </a:ln>
+        </p:spPr>
+        <p:style>
+          <a:lnRef idx="1">
+            <a:schemeClr val="accent1"/>
+          </a:lnRef>
+          <a:fillRef idx="0">
+            <a:schemeClr val="accent1"/>
+          </a:fillRef>
+          <a:effectRef idx="0">
+            <a:schemeClr val="accent1"/>
+          </a:effectRef>
+          <a:fontRef idx="minor">
+            <a:schemeClr val="tx1"/>
+          </a:fontRef>
+        </p:style>
+      </p:cxnSp>
+      <p:cxnSp>
+        <p:nvCxnSpPr>
+          <p:cNvPr id="137" name="Gerader Verbinder 136">
+            <a:extLst>
+              <a:ext uri="{FF2B5EF4-FFF2-40B4-BE49-F238E27FC236}">
+                <a16:creationId xmlns:a16="http://schemas.microsoft.com/office/drawing/2014/main" id="{530712B0-80AA-4794-8116-AD84C354E4E2}"/>
+              </a:ext>
+            </a:extLst>
+          </p:cNvPr>
+          <p:cNvCxnSpPr/>
+          <p:nvPr/>
+        </p:nvCxnSpPr>
+        <p:spPr>
+          <a:xfrm>
+            <a:off x="4337670" y="1748115"/>
+            <a:ext cx="950034" cy="270417"/>
+          </a:xfrm>
+          <a:prstGeom prst="line">
+            <a:avLst/>
+          </a:prstGeom>
+          <a:ln w="76200">
+            <a:solidFill>
+              <a:schemeClr val="accent4"/>
+            </a:solidFill>
+          </a:ln>
+        </p:spPr>
+        <p:style>
+          <a:lnRef idx="1">
+            <a:schemeClr val="accent1"/>
+          </a:lnRef>
+          <a:fillRef idx="0">
+            <a:schemeClr val="accent1"/>
+          </a:fillRef>
+          <a:effectRef idx="0">
+            <a:schemeClr val="accent1"/>
+          </a:effectRef>
+          <a:fontRef idx="minor">
+            <a:schemeClr val="tx1"/>
+          </a:fontRef>
+        </p:style>
+      </p:cxnSp>
+      <p:cxnSp>
+        <p:nvCxnSpPr>
+          <p:cNvPr id="138" name="Gerader Verbinder 137">
+            <a:extLst>
+              <a:ext uri="{FF2B5EF4-FFF2-40B4-BE49-F238E27FC236}">
+                <a16:creationId xmlns:a16="http://schemas.microsoft.com/office/drawing/2014/main" id="{582A423E-B0D1-49E7-A54C-D49C9B5D9BD2}"/>
+              </a:ext>
+            </a:extLst>
+          </p:cNvPr>
+          <p:cNvCxnSpPr>
+            <a:cxnSpLocks/>
+          </p:cNvCxnSpPr>
+          <p:nvPr/>
+        </p:nvCxnSpPr>
+        <p:spPr>
+          <a:xfrm>
+            <a:off x="4286265" y="2465457"/>
+            <a:ext cx="971741" cy="68425"/>
+          </a:xfrm>
+          <a:prstGeom prst="line">
+            <a:avLst/>
+          </a:prstGeom>
+          <a:ln w="76200">
+            <a:solidFill>
+              <a:schemeClr val="accent4"/>
+            </a:solidFill>
+          </a:ln>
+        </p:spPr>
+        <p:style>
+          <a:lnRef idx="1">
+            <a:schemeClr val="accent1"/>
+          </a:lnRef>
+          <a:fillRef idx="0">
+            <a:schemeClr val="accent1"/>
+          </a:fillRef>
+          <a:effectRef idx="0">
+            <a:schemeClr val="accent1"/>
+          </a:effectRef>
+          <a:fontRef idx="minor">
+            <a:schemeClr val="tx1"/>
+          </a:fontRef>
+        </p:style>
+      </p:cxnSp>
+      <p:cxnSp>
+        <p:nvCxnSpPr>
+          <p:cNvPr id="140" name="Gerader Verbinder 139">
+            <a:extLst>
+              <a:ext uri="{FF2B5EF4-FFF2-40B4-BE49-F238E27FC236}">
+                <a16:creationId xmlns:a16="http://schemas.microsoft.com/office/drawing/2014/main" id="{B4C2EEE1-F6BC-4586-9E12-28F9B1AA5736}"/>
+              </a:ext>
+            </a:extLst>
+          </p:cNvPr>
+          <p:cNvCxnSpPr>
+            <a:cxnSpLocks/>
+          </p:cNvCxnSpPr>
+          <p:nvPr/>
+        </p:nvCxnSpPr>
+        <p:spPr>
+          <a:xfrm flipV="1">
+            <a:off x="4672033" y="3175416"/>
+            <a:ext cx="945959" cy="180596"/>
+          </a:xfrm>
+          <a:prstGeom prst="line">
+            <a:avLst/>
+          </a:prstGeom>
+          <a:ln w="76200">
+            <a:solidFill>
+              <a:schemeClr val="accent4"/>
+            </a:solidFill>
+          </a:ln>
+        </p:spPr>
+        <p:style>
+          <a:lnRef idx="1">
+            <a:schemeClr val="accent1"/>
+          </a:lnRef>
+          <a:fillRef idx="0">
+            <a:schemeClr val="accent1"/>
+          </a:fillRef>
+          <a:effectRef idx="0">
+            <a:schemeClr val="accent1"/>
+          </a:effectRef>
+          <a:fontRef idx="minor">
+            <a:schemeClr val="tx1"/>
+          </a:fontRef>
+        </p:style>
+      </p:cxnSp>
+      <p:cxnSp>
+        <p:nvCxnSpPr>
+          <p:cNvPr id="143" name="Gerader Verbinder 142">
+            <a:extLst>
+              <a:ext uri="{FF2B5EF4-FFF2-40B4-BE49-F238E27FC236}">
+                <a16:creationId xmlns:a16="http://schemas.microsoft.com/office/drawing/2014/main" id="{1A21A841-8A1D-4CBA-86CE-379CF0A9ED21}"/>
+              </a:ext>
+            </a:extLst>
+          </p:cNvPr>
+          <p:cNvCxnSpPr>
+            <a:cxnSpLocks/>
+          </p:cNvCxnSpPr>
+          <p:nvPr/>
+        </p:nvCxnSpPr>
+        <p:spPr>
+          <a:xfrm flipV="1">
+            <a:off x="5049240" y="3787864"/>
+            <a:ext cx="764565" cy="402055"/>
+          </a:xfrm>
+          <a:prstGeom prst="line">
+            <a:avLst/>
+          </a:prstGeom>
+          <a:ln w="76200">
+            <a:solidFill>
+              <a:schemeClr val="accent4"/>
+            </a:solidFill>
+          </a:ln>
+        </p:spPr>
+        <p:style>
+          <a:lnRef idx="1">
+            <a:schemeClr val="accent1"/>
+          </a:lnRef>
+          <a:fillRef idx="0">
+            <a:schemeClr val="accent1"/>
+          </a:fillRef>
+          <a:effectRef idx="0">
+            <a:schemeClr val="accent1"/>
+          </a:effectRef>
+          <a:fontRef idx="minor">
+            <a:schemeClr val="tx1"/>
+          </a:fontRef>
+        </p:style>
+      </p:cxnSp>
+      <p:cxnSp>
+        <p:nvCxnSpPr>
+          <p:cNvPr id="145" name="Gerader Verbinder 144">
+            <a:extLst>
+              <a:ext uri="{FF2B5EF4-FFF2-40B4-BE49-F238E27FC236}">
+                <a16:creationId xmlns:a16="http://schemas.microsoft.com/office/drawing/2014/main" id="{3C1EAB32-8FB4-4EF6-8F49-C0CAAE94D756}"/>
+              </a:ext>
+            </a:extLst>
+          </p:cNvPr>
+          <p:cNvCxnSpPr>
+            <a:cxnSpLocks/>
+          </p:cNvCxnSpPr>
+          <p:nvPr/>
+        </p:nvCxnSpPr>
+        <p:spPr>
+          <a:xfrm flipH="1">
+            <a:off x="6477081" y="1585126"/>
+            <a:ext cx="771063" cy="429387"/>
+          </a:xfrm>
+          <a:prstGeom prst="line">
+            <a:avLst/>
+          </a:prstGeom>
+          <a:ln w="76200">
+            <a:solidFill>
+              <a:schemeClr val="accent4"/>
+            </a:solidFill>
+          </a:ln>
+        </p:spPr>
+        <p:style>
+          <a:lnRef idx="1">
+            <a:schemeClr val="accent1"/>
+          </a:lnRef>
+          <a:fillRef idx="0">
+            <a:schemeClr val="accent1"/>
+          </a:fillRef>
+          <a:effectRef idx="0">
+            <a:schemeClr val="accent1"/>
+          </a:effectRef>
+          <a:fontRef idx="minor">
+            <a:schemeClr val="tx1"/>
+          </a:fontRef>
+        </p:style>
+      </p:cxnSp>
+      <p:cxnSp>
+        <p:nvCxnSpPr>
+          <p:cNvPr id="148" name="Gerader Verbinder 147">
+            <a:extLst>
+              <a:ext uri="{FF2B5EF4-FFF2-40B4-BE49-F238E27FC236}">
+                <a16:creationId xmlns:a16="http://schemas.microsoft.com/office/drawing/2014/main" id="{0FA5CBAA-6B27-43D5-AA30-585489EDCBDA}"/>
+              </a:ext>
+            </a:extLst>
+          </p:cNvPr>
+          <p:cNvCxnSpPr>
+            <a:cxnSpLocks/>
+          </p:cNvCxnSpPr>
+          <p:nvPr/>
+        </p:nvCxnSpPr>
+        <p:spPr>
+          <a:xfrm flipH="1">
+            <a:off x="6644932" y="2188092"/>
+            <a:ext cx="908012" cy="277677"/>
+          </a:xfrm>
+          <a:prstGeom prst="line">
+            <a:avLst/>
+          </a:prstGeom>
+          <a:ln w="76200">
+            <a:solidFill>
+              <a:schemeClr val="accent4"/>
+            </a:solidFill>
+          </a:ln>
+        </p:spPr>
+        <p:style>
+          <a:lnRef idx="1">
+            <a:schemeClr val="accent1"/>
+          </a:lnRef>
+          <a:fillRef idx="0">
+            <a:schemeClr val="accent1"/>
+          </a:fillRef>
+          <a:effectRef idx="0">
+            <a:schemeClr val="accent1"/>
+          </a:effectRef>
+          <a:fontRef idx="minor">
+            <a:schemeClr val="tx1"/>
+          </a:fontRef>
+        </p:style>
+      </p:cxnSp>
+      <p:cxnSp>
+        <p:nvCxnSpPr>
+          <p:cNvPr id="152" name="Gerader Verbinder 151">
+            <a:extLst>
+              <a:ext uri="{FF2B5EF4-FFF2-40B4-BE49-F238E27FC236}">
+                <a16:creationId xmlns:a16="http://schemas.microsoft.com/office/drawing/2014/main" id="{039434F9-B24A-459E-B04F-610628060D2C}"/>
+              </a:ext>
+            </a:extLst>
+          </p:cNvPr>
+          <p:cNvCxnSpPr>
+            <a:cxnSpLocks/>
+          </p:cNvCxnSpPr>
+          <p:nvPr/>
+        </p:nvCxnSpPr>
+        <p:spPr>
+          <a:xfrm flipH="1" flipV="1">
+            <a:off x="6644932" y="3819900"/>
+            <a:ext cx="995415" cy="292302"/>
+          </a:xfrm>
+          <a:prstGeom prst="line">
+            <a:avLst/>
+          </a:prstGeom>
+          <a:ln w="76200">
+            <a:solidFill>
+              <a:schemeClr val="accent4"/>
+            </a:solidFill>
           </a:ln>
         </p:spPr>
         <p:style>
